--- a/Docs/Analyzing_TimeScales.pptx
+++ b/Docs/Analyzing_TimeScales.pptx
@@ -7,16 +7,17 @@
   <p:sldIdLst>
     <p:sldId id="256" r:id="rId2"/>
     <p:sldId id="258" r:id="rId3"/>
-    <p:sldId id="259" r:id="rId4"/>
-    <p:sldId id="260" r:id="rId5"/>
-    <p:sldId id="261" r:id="rId6"/>
-    <p:sldId id="257" r:id="rId7"/>
-    <p:sldId id="262" r:id="rId8"/>
-    <p:sldId id="264" r:id="rId9"/>
-    <p:sldId id="263" r:id="rId10"/>
-    <p:sldId id="265" r:id="rId11"/>
-    <p:sldId id="267" r:id="rId12"/>
-    <p:sldId id="266" r:id="rId13"/>
+    <p:sldId id="269" r:id="rId4"/>
+    <p:sldId id="259" r:id="rId5"/>
+    <p:sldId id="260" r:id="rId6"/>
+    <p:sldId id="261" r:id="rId7"/>
+    <p:sldId id="257" r:id="rId8"/>
+    <p:sldId id="262" r:id="rId9"/>
+    <p:sldId id="264" r:id="rId10"/>
+    <p:sldId id="263" r:id="rId11"/>
+    <p:sldId id="265" r:id="rId12"/>
+    <p:sldId id="267" r:id="rId13"/>
+    <p:sldId id="266" r:id="rId14"/>
   </p:sldIdLst>
   <p:sldSz cx="9144000" cy="6858000" type="screen4x3"/>
   <p:notesSz cx="6858000" cy="9144000"/>
@@ -3208,6 +3209,79 @@
           <a:chExt cx="0" cy="0"/>
         </a:xfrm>
       </p:grpSpPr>
+      <p:pic>
+        <p:nvPicPr>
+          <p:cNvPr id="5" name="Picture 4" descr="csat_from_TDp_H2O5.tif"/>
+          <p:cNvPicPr>
+            <a:picLocks noChangeAspect="1"/>
+          </p:cNvPicPr>
+          <p:nvPr/>
+        </p:nvPicPr>
+        <p:blipFill>
+          <a:blip r:embed="rId2" cstate="print"/>
+          <a:stretch>
+            <a:fillRect/>
+          </a:stretch>
+        </p:blipFill>
+        <p:spPr>
+          <a:xfrm>
+            <a:off x="179512" y="2060848"/>
+            <a:ext cx="4516075" cy="3168352"/>
+          </a:xfrm>
+          <a:prstGeom prst="rect">
+            <a:avLst/>
+          </a:prstGeom>
+        </p:spPr>
+      </p:pic>
+      <p:pic>
+        <p:nvPicPr>
+          <p:cNvPr id="6" name="Picture 5" descr="csat_from_TDp_H2O6.tif"/>
+          <p:cNvPicPr>
+            <a:picLocks noChangeAspect="1"/>
+          </p:cNvPicPr>
+          <p:nvPr/>
+        </p:nvPicPr>
+        <p:blipFill>
+          <a:blip r:embed="rId3" cstate="print"/>
+          <a:stretch>
+            <a:fillRect/>
+          </a:stretch>
+        </p:blipFill>
+        <p:spPr>
+          <a:xfrm>
+            <a:off x="4644008" y="2060848"/>
+            <a:ext cx="4516075" cy="3168352"/>
+          </a:xfrm>
+          <a:prstGeom prst="rect">
+            <a:avLst/>
+          </a:prstGeom>
+        </p:spPr>
+      </p:pic>
+    </p:spTree>
+  </p:cSld>
+  <p:clrMapOvr>
+    <a:masterClrMapping/>
+  </p:clrMapOvr>
+</p:sld>
+</file>
+
+<file path=ppt/slides/slide11.xml><?xml version="1.0" encoding="utf-8"?>
+<p:sld xmlns:a="http://schemas.openxmlformats.org/drawingml/2006/main" xmlns:r="http://schemas.openxmlformats.org/officeDocument/2006/relationships" xmlns:p="http://schemas.openxmlformats.org/presentationml/2006/main">
+  <p:cSld>
+    <p:spTree>
+      <p:nvGrpSpPr>
+        <p:cNvPr id="1" name=""/>
+        <p:cNvGrpSpPr/>
+        <p:nvPr/>
+      </p:nvGrpSpPr>
+      <p:grpSpPr>
+        <a:xfrm>
+          <a:off x="0" y="0"/>
+          <a:ext cx="0" cy="0"/>
+          <a:chOff x="0" y="0"/>
+          <a:chExt cx="0" cy="0"/>
+        </a:xfrm>
+      </p:grpSpPr>
       <p:sp>
         <p:nvSpPr>
           <p:cNvPr id="2" name="Title 1"/>
@@ -3297,7 +3371,7 @@
 </p:sld>
 </file>
 
-<file path=ppt/slides/slide11.xml><?xml version="1.0" encoding="utf-8"?>
+<file path=ppt/slides/slide12.xml><?xml version="1.0" encoding="utf-8"?>
 <p:sld xmlns:a="http://schemas.openxmlformats.org/drawingml/2006/main" xmlns:r="http://schemas.openxmlformats.org/officeDocument/2006/relationships" xmlns:p="http://schemas.openxmlformats.org/presentationml/2006/main">
   <p:cSld>
     <p:spTree>
@@ -3370,7 +3444,7 @@
 </p:sld>
 </file>
 
-<file path=ppt/slides/slide12.xml><?xml version="1.0" encoding="utf-8"?>
+<file path=ppt/slides/slide13.xml><?xml version="1.0" encoding="utf-8"?>
 <p:sld xmlns:a="http://schemas.openxmlformats.org/drawingml/2006/main" xmlns:r="http://schemas.openxmlformats.org/officeDocument/2006/relationships" xmlns:p="http://schemas.openxmlformats.org/presentationml/2006/main">
   <p:cSld>
     <p:spTree>
@@ -3479,11 +3553,11 @@
           <a:p>
             <a:r>
               <a:rPr lang="en-US" sz="3200" dirty="0" smtClean="0"/>
-              <a:t>1. Calculating </a:t>
+              <a:t>1a. </a:t>
             </a:r>
             <a:r>
               <a:rPr lang="en-US" sz="3200" dirty="0" smtClean="0"/>
-              <a:t>X = </a:t>
+              <a:t>Calculating X = </a:t>
             </a:r>
             <a:r>
               <a:rPr lang="en-US" sz="3200" dirty="0" err="1" smtClean="0"/>
@@ -3510,12 +3584,12 @@
           <p:nvPr/>
         </p:nvGraphicFramePr>
         <p:xfrm>
-          <a:off x="755576" y="1412776"/>
-          <a:ext cx="7923714" cy="4680520"/>
+          <a:off x="179512" y="1556891"/>
+          <a:ext cx="8716240" cy="4392389"/>
         </p:xfrm>
         <a:graphic>
           <a:graphicData uri="http://schemas.openxmlformats.org/presentationml/2006/ole">
-            <p:oleObj spid="_x0000_s1026" name="Equation" r:id="rId3" imgW="2730240" imgH="1612800" progId="Equation.3">
+            <p:oleObj spid="_x0000_s1026" name="Equation" r:id="rId3" imgW="3200400" imgH="1612800" progId="Equation.3">
               <p:embed/>
             </p:oleObj>
           </a:graphicData>
@@ -3566,6 +3640,139 @@
 </file>
 
 <file path=ppt/slides/slide3.xml><?xml version="1.0" encoding="utf-8"?>
+<p:sld xmlns:a="http://schemas.openxmlformats.org/drawingml/2006/main" xmlns:r="http://schemas.openxmlformats.org/officeDocument/2006/relationships" xmlns:p="http://schemas.openxmlformats.org/presentationml/2006/main">
+  <p:cSld>
+    <p:spTree>
+      <p:nvGrpSpPr>
+        <p:cNvPr id="1" name=""/>
+        <p:cNvGrpSpPr/>
+        <p:nvPr/>
+      </p:nvGrpSpPr>
+      <p:grpSpPr>
+        <a:xfrm>
+          <a:off x="0" y="0"/>
+          <a:ext cx="0" cy="0"/>
+          <a:chOff x="0" y="0"/>
+          <a:chExt cx="0" cy="0"/>
+        </a:xfrm>
+      </p:grpSpPr>
+      <p:sp>
+        <p:nvSpPr>
+          <p:cNvPr id="2" name="Title 1"/>
+          <p:cNvSpPr>
+            <a:spLocks noGrp="1"/>
+          </p:cNvSpPr>
+          <p:nvPr>
+            <p:ph type="title"/>
+          </p:nvPr>
+        </p:nvSpPr>
+        <p:spPr/>
+        <p:txBody>
+          <a:bodyPr>
+            <a:normAutofit/>
+          </a:bodyPr>
+          <a:lstStyle/>
+          <a:p>
+            <a:r>
+              <a:rPr lang="en-US" sz="3200" dirty="0" smtClean="0"/>
+              <a:t>1b. </a:t>
+            </a:r>
+            <a:r>
+              <a:rPr lang="en-US" sz="3200" dirty="0" smtClean="0"/>
+              <a:t>Calculating X = </a:t>
+            </a:r>
+            <a:r>
+              <a:rPr lang="en-US" sz="3200" dirty="0" err="1" smtClean="0"/>
+              <a:t>tau_evap</a:t>
+            </a:r>
+            <a:r>
+              <a:rPr lang="en-US" sz="3200" dirty="0" smtClean="0"/>
+              <a:t> / </a:t>
+            </a:r>
+            <a:r>
+              <a:rPr lang="en-US" sz="3200" dirty="0" err="1" smtClean="0"/>
+              <a:t>tau_mix</a:t>
+            </a:r>
+            <a:r>
+              <a:rPr lang="en-US" sz="3200" dirty="0" smtClean="0"/>
+              <a:t/>
+            </a:r>
+            <a:br>
+              <a:rPr lang="en-US" sz="3200" dirty="0" smtClean="0"/>
+            </a:br>
+            <a:r>
+              <a:rPr lang="en-US" sz="3200" dirty="0" smtClean="0"/>
+              <a:t>Assume masses cancel</a:t>
+            </a:r>
+            <a:endParaRPr lang="en-US" sz="3200" dirty="0"/>
+          </a:p>
+        </p:txBody>
+      </p:sp>
+      <p:graphicFrame>
+        <p:nvGraphicFramePr>
+          <p:cNvPr id="10" name="Object 9"/>
+          <p:cNvGraphicFramePr>
+            <a:graphicFrameLocks noChangeAspect="1"/>
+          </p:cNvGraphicFramePr>
+          <p:nvPr/>
+        </p:nvGraphicFramePr>
+        <p:xfrm>
+          <a:off x="146050" y="1609725"/>
+          <a:ext cx="8785225" cy="4287838"/>
+        </p:xfrm>
+        <a:graphic>
+          <a:graphicData uri="http://schemas.openxmlformats.org/presentationml/2006/ole">
+            <p:oleObj spid="_x0000_s15362" name="Equation" r:id="rId3" imgW="3225600" imgH="1574640" progId="Equation.3">
+              <p:embed/>
+            </p:oleObj>
+          </a:graphicData>
+        </a:graphic>
+      </p:graphicFrame>
+      <p:sp>
+        <p:nvSpPr>
+          <p:cNvPr id="12" name="TextBox 11"/>
+          <p:cNvSpPr txBox="1"/>
+          <p:nvPr/>
+        </p:nvSpPr>
+        <p:spPr>
+          <a:xfrm>
+            <a:off x="6156177" y="5013176"/>
+            <a:ext cx="2736304" cy="923330"/>
+          </a:xfrm>
+          <a:prstGeom prst="rect">
+            <a:avLst/>
+          </a:prstGeom>
+          <a:noFill/>
+        </p:spPr>
+        <p:txBody>
+          <a:bodyPr wrap="square" rtlCol="0">
+            <a:spAutoFit/>
+          </a:bodyPr>
+          <a:lstStyle/>
+          <a:p>
+            <a:r>
+              <a:rPr lang="en-US" dirty="0" smtClean="0"/>
+              <a:t>Problem with units here!</a:t>
+            </a:r>
+          </a:p>
+          <a:p>
+            <a:r>
+              <a:rPr lang="en-US" dirty="0" smtClean="0"/>
+              <a:t>Need to figure out mass inconsistency</a:t>
+            </a:r>
+            <a:endParaRPr lang="en-US" dirty="0"/>
+          </a:p>
+        </p:txBody>
+      </p:sp>
+    </p:spTree>
+  </p:cSld>
+  <p:clrMapOvr>
+    <a:masterClrMapping/>
+  </p:clrMapOvr>
+</p:sld>
+</file>
+
+<file path=ppt/slides/slide4.xml><?xml version="1.0" encoding="utf-8"?>
 <p:sld xmlns:a="http://schemas.openxmlformats.org/drawingml/2006/main" xmlns:r="http://schemas.openxmlformats.org/officeDocument/2006/relationships" xmlns:p="http://schemas.openxmlformats.org/presentationml/2006/main">
   <p:cSld>
     <p:spTree>
@@ -3716,7 +3923,7 @@
 </p:sld>
 </file>
 
-<file path=ppt/slides/slide4.xml><?xml version="1.0" encoding="utf-8"?>
+<file path=ppt/slides/slide5.xml><?xml version="1.0" encoding="utf-8"?>
 <p:sld xmlns:a="http://schemas.openxmlformats.org/drawingml/2006/main" xmlns:r="http://schemas.openxmlformats.org/officeDocument/2006/relationships" xmlns:p="http://schemas.openxmlformats.org/presentationml/2006/main">
   <p:cSld>
     <p:spTree>
@@ -3801,94 +4008,6 @@
 </p:sld>
 </file>
 
-<file path=ppt/slides/slide5.xml><?xml version="1.0" encoding="utf-8"?>
-<p:sld xmlns:a="http://schemas.openxmlformats.org/drawingml/2006/main" xmlns:r="http://schemas.openxmlformats.org/officeDocument/2006/relationships" xmlns:p="http://schemas.openxmlformats.org/presentationml/2006/main">
-  <p:cSld>
-    <p:spTree>
-      <p:nvGrpSpPr>
-        <p:cNvPr id="1" name=""/>
-        <p:cNvGrpSpPr/>
-        <p:nvPr/>
-      </p:nvGrpSpPr>
-      <p:grpSpPr>
-        <a:xfrm>
-          <a:off x="0" y="0"/>
-          <a:ext cx="0" cy="0"/>
-          <a:chOff x="0" y="0"/>
-          <a:chExt cx="0" cy="0"/>
-        </a:xfrm>
-      </p:grpSpPr>
-      <p:sp>
-        <p:nvSpPr>
-          <p:cNvPr id="2" name="Title 1"/>
-          <p:cNvSpPr>
-            <a:spLocks noGrp="1"/>
-          </p:cNvSpPr>
-          <p:nvPr>
-            <p:ph type="title"/>
-          </p:nvPr>
-        </p:nvSpPr>
-        <p:spPr/>
-        <p:txBody>
-          <a:bodyPr>
-            <a:noAutofit/>
-          </a:bodyPr>
-          <a:lstStyle/>
-          <a:p>
-            <a:r>
-              <a:rPr lang="en-US" sz="2400" dirty="0" smtClean="0"/>
-              <a:t>3. Calculating cutoff C*(298 K) as a function of T and H2O mole fraction</a:t>
-            </a:r>
-            <a:br>
-              <a:rPr lang="en-US" sz="2400" dirty="0" smtClean="0"/>
-            </a:br>
-            <a:endParaRPr lang="en-US" sz="2400" dirty="0"/>
-          </a:p>
-        </p:txBody>
-      </p:sp>
-      <p:sp>
-        <p:nvSpPr>
-          <p:cNvPr id="3" name="Content Placeholder 2"/>
-          <p:cNvSpPr>
-            <a:spLocks noGrp="1"/>
-          </p:cNvSpPr>
-          <p:nvPr>
-            <p:ph idx="1"/>
-          </p:nvPr>
-        </p:nvSpPr>
-        <p:spPr/>
-        <p:txBody>
-          <a:bodyPr/>
-          <a:lstStyle/>
-          <a:p>
-            <a:r>
-              <a:rPr lang="en-US" dirty="0" smtClean="0"/>
-              <a:t>Use experimental Viscosity</a:t>
-            </a:r>
-          </a:p>
-          <a:p>
-            <a:r>
-              <a:rPr lang="en-US" dirty="0" smtClean="0"/>
-              <a:t>Calculate mixing timescale as a function of T and H2O</a:t>
-            </a:r>
-          </a:p>
-          <a:p>
-            <a:r>
-              <a:rPr lang="en-US" dirty="0" smtClean="0"/>
-              <a:t>Calculate volatility corresponding to evaporation timescale equal to that mixing time scale</a:t>
-            </a:r>
-            <a:endParaRPr lang="en-US" dirty="0"/>
-          </a:p>
-        </p:txBody>
-      </p:sp>
-    </p:spTree>
-  </p:cSld>
-  <p:clrMapOvr>
-    <a:masterClrMapping/>
-  </p:clrMapOvr>
-</p:sld>
-</file>
-
 <file path=ppt/slides/slide6.xml><?xml version="1.0" encoding="utf-8"?>
 <p:sld xmlns:a="http://schemas.openxmlformats.org/drawingml/2006/main" xmlns:r="http://schemas.openxmlformats.org/officeDocument/2006/relationships" xmlns:p="http://schemas.openxmlformats.org/presentationml/2006/main">
   <p:cSld>
@@ -3919,6 +4038,94 @@
         <p:spPr/>
         <p:txBody>
           <a:bodyPr>
+            <a:noAutofit/>
+          </a:bodyPr>
+          <a:lstStyle/>
+          <a:p>
+            <a:r>
+              <a:rPr lang="en-US" sz="2400" dirty="0" smtClean="0"/>
+              <a:t>3. Calculating cutoff C*(298 K) as a function of T and H2O mole fraction</a:t>
+            </a:r>
+            <a:br>
+              <a:rPr lang="en-US" sz="2400" dirty="0" smtClean="0"/>
+            </a:br>
+            <a:endParaRPr lang="en-US" sz="2400" dirty="0"/>
+          </a:p>
+        </p:txBody>
+      </p:sp>
+      <p:sp>
+        <p:nvSpPr>
+          <p:cNvPr id="3" name="Content Placeholder 2"/>
+          <p:cNvSpPr>
+            <a:spLocks noGrp="1"/>
+          </p:cNvSpPr>
+          <p:nvPr>
+            <p:ph idx="1"/>
+          </p:nvPr>
+        </p:nvSpPr>
+        <p:spPr/>
+        <p:txBody>
+          <a:bodyPr/>
+          <a:lstStyle/>
+          <a:p>
+            <a:r>
+              <a:rPr lang="en-US" dirty="0" smtClean="0"/>
+              <a:t>Use experimental Viscosity</a:t>
+            </a:r>
+          </a:p>
+          <a:p>
+            <a:r>
+              <a:rPr lang="en-US" dirty="0" smtClean="0"/>
+              <a:t>Calculate mixing timescale as a function of T and H2O</a:t>
+            </a:r>
+          </a:p>
+          <a:p>
+            <a:r>
+              <a:rPr lang="en-US" dirty="0" smtClean="0"/>
+              <a:t>Calculate volatility corresponding to evaporation timescale equal to that mixing time scale</a:t>
+            </a:r>
+            <a:endParaRPr lang="en-US" dirty="0"/>
+          </a:p>
+        </p:txBody>
+      </p:sp>
+    </p:spTree>
+  </p:cSld>
+  <p:clrMapOvr>
+    <a:masterClrMapping/>
+  </p:clrMapOvr>
+</p:sld>
+</file>
+
+<file path=ppt/slides/slide7.xml><?xml version="1.0" encoding="utf-8"?>
+<p:sld xmlns:a="http://schemas.openxmlformats.org/drawingml/2006/main" xmlns:r="http://schemas.openxmlformats.org/officeDocument/2006/relationships" xmlns:p="http://schemas.openxmlformats.org/presentationml/2006/main">
+  <p:cSld>
+    <p:spTree>
+      <p:nvGrpSpPr>
+        <p:cNvPr id="1" name=""/>
+        <p:cNvGrpSpPr/>
+        <p:nvPr/>
+      </p:nvGrpSpPr>
+      <p:grpSpPr>
+        <a:xfrm>
+          <a:off x="0" y="0"/>
+          <a:ext cx="0" cy="0"/>
+          <a:chOff x="0" y="0"/>
+          <a:chExt cx="0" cy="0"/>
+        </a:xfrm>
+      </p:grpSpPr>
+      <p:sp>
+        <p:nvSpPr>
+          <p:cNvPr id="2" name="Title 1"/>
+          <p:cNvSpPr>
+            <a:spLocks noGrp="1"/>
+          </p:cNvSpPr>
+          <p:nvPr>
+            <p:ph type="title"/>
+          </p:nvPr>
+        </p:nvSpPr>
+        <p:spPr/>
+        <p:txBody>
+          <a:bodyPr>
             <a:normAutofit fontScale="90000"/>
           </a:bodyPr>
           <a:lstStyle/>
@@ -3941,7 +4148,7 @@
           <a:blip r:embed="rId2" cstate="print">
             <a:extLst>
               <a:ext uri="{28A0092B-C50C-407E-A947-70E740481C1C}">
-                <a14:useLocalDpi xmlns="" xmlns:wpc="http://schemas.microsoft.com/office/word/2010/wordprocessingCanvas" xmlns:mc="http://schemas.openxmlformats.org/markup-compatibility/2006" xmlns:o="urn:schemas-microsoft-com:office:office" xmlns:m="http://schemas.openxmlformats.org/officeDocument/2006/math" xmlns:v="urn:schemas-microsoft-com:vml" xmlns:wp14="http://schemas.microsoft.com/office/word/2010/wordprocessingDrawing" xmlns:wp="http://schemas.openxmlformats.org/drawingml/2006/wordprocessingDrawing" xmlns:w10="urn:schemas-microsoft-com:office:word" xmlns:w="http://schemas.openxmlformats.org/wordprocessingml/2006/main" xmlns:w14="http://schemas.microsoft.com/office/word/2010/wordml" xmlns:wpg="http://schemas.microsoft.com/office/word/2010/wordprocessingGroup" xmlns:wpi="http://schemas.microsoft.com/office/word/2010/wordprocessingInk" xmlns:wne="http://schemas.microsoft.com/office/word/2006/wordml" xmlns:wps="http://schemas.microsoft.com/office/word/2010/wordprocessingShape" xmlns:a14="http://schemas.microsoft.com/office/drawing/2010/main" xmlns:pic="http://schemas.openxmlformats.org/drawingml/2006/picture" xmlns:lc="http://schemas.openxmlformats.org/drawingml/2006/lockedCanvas" val="0"/>
+                <a14:useLocalDpi xmlns:lc="http://schemas.openxmlformats.org/drawingml/2006/lockedCanvas" xmlns:pic="http://schemas.openxmlformats.org/drawingml/2006/picture" xmlns:a14="http://schemas.microsoft.com/office/drawing/2010/main" xmlns:wps="http://schemas.microsoft.com/office/word/2010/wordprocessingShape" xmlns:wne="http://schemas.microsoft.com/office/word/2006/wordml" xmlns:wpi="http://schemas.microsoft.com/office/word/2010/wordprocessingInk" xmlns:wpg="http://schemas.microsoft.com/office/word/2010/wordprocessingGroup" xmlns:w14="http://schemas.microsoft.com/office/word/2010/wordml" xmlns:w="http://schemas.openxmlformats.org/wordprocessingml/2006/main" xmlns:w10="urn:schemas-microsoft-com:office:word" xmlns:wp="http://schemas.openxmlformats.org/drawingml/2006/wordprocessingDrawing" xmlns:wp14="http://schemas.microsoft.com/office/word/2010/wordprocessingDrawing" xmlns:v="urn:schemas-microsoft-com:vml" xmlns:m="http://schemas.openxmlformats.org/officeDocument/2006/math" xmlns:o="urn:schemas-microsoft-com:office:office" xmlns:mc="http://schemas.openxmlformats.org/markup-compatibility/2006" xmlns:wpc="http://schemas.microsoft.com/office/word/2010/wordprocessingCanvas" xmlns="" val="0"/>
               </a:ext>
             </a:extLst>
           </a:blip>
@@ -3967,7 +4174,7 @@
 </p:sld>
 </file>
 
-<file path=ppt/slides/slide7.xml><?xml version="1.0" encoding="utf-8"?>
+<file path=ppt/slides/slide8.xml><?xml version="1.0" encoding="utf-8"?>
 <p:sld xmlns:a="http://schemas.openxmlformats.org/drawingml/2006/main" xmlns:r="http://schemas.openxmlformats.org/officeDocument/2006/relationships" xmlns:p="http://schemas.openxmlformats.org/presentationml/2006/main">
   <p:cSld>
     <p:spTree>
@@ -4040,7 +4247,7 @@
 </p:sld>
 </file>
 
-<file path=ppt/slides/slide8.xml><?xml version="1.0" encoding="utf-8"?>
+<file path=ppt/slides/slide9.xml><?xml version="1.0" encoding="utf-8"?>
 <p:sld xmlns:a="http://schemas.openxmlformats.org/drawingml/2006/main" xmlns:r="http://schemas.openxmlformats.org/officeDocument/2006/relationships" xmlns:p="http://schemas.openxmlformats.org/presentationml/2006/main">
   <p:cSld>
     <p:spTree>
@@ -4098,79 +4305,6 @@
         <p:spPr>
           <a:xfrm>
             <a:off x="4627925" y="1628800"/>
-            <a:ext cx="4516075" cy="3168352"/>
-          </a:xfrm>
-          <a:prstGeom prst="rect">
-            <a:avLst/>
-          </a:prstGeom>
-        </p:spPr>
-      </p:pic>
-    </p:spTree>
-  </p:cSld>
-  <p:clrMapOvr>
-    <a:masterClrMapping/>
-  </p:clrMapOvr>
-</p:sld>
-</file>
-
-<file path=ppt/slides/slide9.xml><?xml version="1.0" encoding="utf-8"?>
-<p:sld xmlns:a="http://schemas.openxmlformats.org/drawingml/2006/main" xmlns:r="http://schemas.openxmlformats.org/officeDocument/2006/relationships" xmlns:p="http://schemas.openxmlformats.org/presentationml/2006/main">
-  <p:cSld>
-    <p:spTree>
-      <p:nvGrpSpPr>
-        <p:cNvPr id="1" name=""/>
-        <p:cNvGrpSpPr/>
-        <p:nvPr/>
-      </p:nvGrpSpPr>
-      <p:grpSpPr>
-        <a:xfrm>
-          <a:off x="0" y="0"/>
-          <a:ext cx="0" cy="0"/>
-          <a:chOff x="0" y="0"/>
-          <a:chExt cx="0" cy="0"/>
-        </a:xfrm>
-      </p:grpSpPr>
-      <p:pic>
-        <p:nvPicPr>
-          <p:cNvPr id="5" name="Picture 4" descr="csat_from_TDp_H2O5.tif"/>
-          <p:cNvPicPr>
-            <a:picLocks noChangeAspect="1"/>
-          </p:cNvPicPr>
-          <p:nvPr/>
-        </p:nvPicPr>
-        <p:blipFill>
-          <a:blip r:embed="rId2" cstate="print"/>
-          <a:stretch>
-            <a:fillRect/>
-          </a:stretch>
-        </p:blipFill>
-        <p:spPr>
-          <a:xfrm>
-            <a:off x="179512" y="2060848"/>
-            <a:ext cx="4516075" cy="3168352"/>
-          </a:xfrm>
-          <a:prstGeom prst="rect">
-            <a:avLst/>
-          </a:prstGeom>
-        </p:spPr>
-      </p:pic>
-      <p:pic>
-        <p:nvPicPr>
-          <p:cNvPr id="6" name="Picture 5" descr="csat_from_TDp_H2O6.tif"/>
-          <p:cNvPicPr>
-            <a:picLocks noChangeAspect="1"/>
-          </p:cNvPicPr>
-          <p:nvPr/>
-        </p:nvPicPr>
-        <p:blipFill>
-          <a:blip r:embed="rId3" cstate="print"/>
-          <a:stretch>
-            <a:fillRect/>
-          </a:stretch>
-        </p:blipFill>
-        <p:spPr>
-          <a:xfrm>
-            <a:off x="4644008" y="2060848"/>
             <a:ext cx="4516075" cy="3168352"/>
           </a:xfrm>
           <a:prstGeom prst="rect">
